--- a/Hashmap.pptx
+++ b/Hashmap.pptx
@@ -3514,25 +3514,7 @@
                 </a:solidFill>
                 <a:latin typeface="Google Sans"/>
               </a:rPr>
-              <a:t>Example: Key - </a:t>
-            </a:r>
-            <a:r>
-              <a:rPr lang="en-US">
-                <a:solidFill>
-                  <a:srgbClr val="1F1F1F"/>
-                </a:solidFill>
-                <a:latin typeface="Google Sans"/>
-              </a:rPr>
-              <a:t>John ,   Value </a:t>
-            </a:r>
-            <a:r>
-              <a:rPr lang="en-US" dirty="0">
-                <a:solidFill>
-                  <a:srgbClr val="1F1F1F"/>
-                </a:solidFill>
-                <a:latin typeface="Google Sans"/>
-              </a:rPr>
-              <a:t>- 12345689</a:t>
+              <a:t>Example: Key - John ,   Value - 12345689</a:t>
             </a:r>
           </a:p>
           <a:p>
@@ -3636,12 +3618,21 @@
             <p:ph idx="1"/>
           </p:nvPr>
         </p:nvSpPr>
-        <p:spPr/>
-        <p:txBody>
-          <a:bodyPr/>
-          <a:lstStyle/>
-          <a:p>
-            <a:pPr algn="l"/>
+        <p:spPr>
+          <a:xfrm>
+            <a:off x="342900" y="476250"/>
+            <a:ext cx="11010900" cy="7124700"/>
+          </a:xfrm>
+        </p:spPr>
+        <p:txBody>
+          <a:bodyPr>
+            <a:normAutofit/>
+          </a:bodyPr>
+          <a:lstStyle/>
+          <a:p>
+            <a:pPr marL="0" indent="0" algn="l">
+              <a:buNone/>
+            </a:pPr>
             <a:r>
               <a:rPr lang="en-US" b="0" i="0" dirty="0">
                 <a:solidFill>
@@ -3666,7 +3657,7 @@
                 <a:effectLst/>
                 <a:latin typeface="Google Sans"/>
               </a:rPr>
-              <a:t>Insert</a:t>
+              <a:t>put(key, value): Inserts the given key-value pair into the hash map.</a:t>
             </a:r>
           </a:p>
           <a:p>
@@ -3682,7 +3673,7 @@
                 <a:effectLst/>
                 <a:latin typeface="Google Sans"/>
               </a:rPr>
-              <a:t>Get</a:t>
+              <a:t>get(key): Gets the value for the given key from the hash map.</a:t>
             </a:r>
           </a:p>
           <a:p>
@@ -3698,7 +3689,7 @@
                 <a:effectLst/>
                 <a:latin typeface="Google Sans"/>
               </a:rPr>
-              <a:t>Remove</a:t>
+              <a:t>remove(key): Removes the given key-value pair from the hash map.</a:t>
             </a:r>
           </a:p>
           <a:p>
@@ -3706,6 +3697,16 @@
               <a:buFont typeface="Arial" panose="020B0604020202020204" pitchFamily="34" charset="0"/>
               <a:buChar char="•"/>
             </a:pPr>
+            <a:r>
+              <a:rPr lang="en-US" b="0" i="0" dirty="0" err="1">
+                <a:solidFill>
+                  <a:srgbClr val="1F1F1F"/>
+                </a:solidFill>
+                <a:effectLst/>
+                <a:latin typeface="Google Sans"/>
+              </a:rPr>
+              <a:t>containsKey</a:t>
+            </a:r>
             <a:r>
               <a:rPr lang="en-US" b="0" i="0" dirty="0">
                 <a:solidFill>
@@ -3714,7 +3715,7 @@
                 <a:effectLst/>
                 <a:latin typeface="Google Sans"/>
               </a:rPr>
-              <a:t>Contains</a:t>
+              <a:t>(key): Checks if the given key is present in the hash map.</a:t>
             </a:r>
           </a:p>
           <a:p>
@@ -3722,6 +3723,16 @@
               <a:buFont typeface="Arial" panose="020B0604020202020204" pitchFamily="34" charset="0"/>
               <a:buChar char="•"/>
             </a:pPr>
+            <a:r>
+              <a:rPr lang="en-US" b="0" i="0" dirty="0" err="1">
+                <a:solidFill>
+                  <a:srgbClr val="1F1F1F"/>
+                </a:solidFill>
+                <a:effectLst/>
+                <a:latin typeface="Google Sans"/>
+              </a:rPr>
+              <a:t>containsValue</a:t>
+            </a:r>
             <a:r>
               <a:rPr lang="en-US" b="0" i="0" dirty="0">
                 <a:solidFill>
@@ -3730,7 +3741,7 @@
                 <a:effectLst/>
                 <a:latin typeface="Google Sans"/>
               </a:rPr>
-              <a:t>Size</a:t>
+              <a:t>(value): Checks if the given value is present in any of the key-value pairs in the hash map.</a:t>
             </a:r>
           </a:p>
           <a:p>
@@ -3746,7 +3757,49 @@
                 <a:effectLst/>
                 <a:latin typeface="Google Sans"/>
               </a:rPr>
-              <a:t>Clear</a:t>
+              <a:t>size(): Gets the number of key-value pairs in the hash map.</a:t>
+            </a:r>
+          </a:p>
+          <a:p>
+            <a:pPr algn="l">
+              <a:buFont typeface="Arial" panose="020B0604020202020204" pitchFamily="34" charset="0"/>
+              <a:buChar char="•"/>
+            </a:pPr>
+            <a:r>
+              <a:rPr lang="en-US" b="0" i="0" dirty="0" err="1">
+                <a:solidFill>
+                  <a:srgbClr val="1F1F1F"/>
+                </a:solidFill>
+                <a:effectLst/>
+                <a:latin typeface="Google Sans"/>
+              </a:rPr>
+              <a:t>isEmpty</a:t>
+            </a:r>
+            <a:r>
+              <a:rPr lang="en-US" b="0" i="0" dirty="0">
+                <a:solidFill>
+                  <a:srgbClr val="1F1F1F"/>
+                </a:solidFill>
+                <a:effectLst/>
+                <a:latin typeface="Google Sans"/>
+              </a:rPr>
+              <a:t>(): Checks if the hash map is empty.</a:t>
+            </a:r>
+          </a:p>
+          <a:p>
+            <a:pPr algn="l">
+              <a:buFont typeface="Arial" panose="020B0604020202020204" pitchFamily="34" charset="0"/>
+              <a:buChar char="•"/>
+            </a:pPr>
+            <a:r>
+              <a:rPr lang="en-US" b="0" i="0" dirty="0">
+                <a:solidFill>
+                  <a:srgbClr val="1F1F1F"/>
+                </a:solidFill>
+                <a:effectLst/>
+                <a:latin typeface="Google Sans"/>
+              </a:rPr>
+              <a:t>clear(): Clears all the key-value pairs from the hash map.</a:t>
             </a:r>
           </a:p>
         </p:txBody>
